--- a/src/leekyutaek/HW5 MVC.pptx
+++ b/src/leekyutaek/HW5 MVC.pptx
@@ -4828,6 +4828,56 @@
           </a:prstGeom>
         </p:spPr>
       </p:pic>
+      <p:sp>
+        <p:nvSpPr>
+          <p:cNvPr id="4" name="타원 3"/>
+          <p:cNvSpPr/>
+          <p:nvPr/>
+        </p:nvSpPr>
+        <p:spPr>
+          <a:xfrm>
+            <a:off x="6156176" y="1549338"/>
+            <a:ext cx="1296144" cy="590364"/>
+          </a:xfrm>
+          <a:prstGeom prst="ellipse">
+            <a:avLst/>
+          </a:prstGeom>
+          <a:solidFill>
+            <a:srgbClr val="FF0000">
+              <a:alpha val="0"/>
+            </a:srgbClr>
+          </a:solidFill>
+          <a:ln>
+            <a:solidFill>
+              <a:srgbClr val="FF0000"/>
+            </a:solidFill>
+          </a:ln>
+        </p:spPr>
+        <p:style>
+          <a:lnRef idx="2">
+            <a:schemeClr val="accent1">
+              <a:shade val="50000"/>
+            </a:schemeClr>
+          </a:lnRef>
+          <a:fillRef idx="1">
+            <a:schemeClr val="accent1"/>
+          </a:fillRef>
+          <a:effectRef idx="0">
+            <a:schemeClr val="accent1"/>
+          </a:effectRef>
+          <a:fontRef idx="minor">
+            <a:schemeClr val="lt1"/>
+          </a:fontRef>
+        </p:style>
+        <p:txBody>
+          <a:bodyPr rtlCol="0" anchor="ctr"/>
+          <a:lstStyle/>
+          <a:p>
+            <a:pPr algn="ctr"/>
+            <a:endParaRPr lang="ko-KR" altLang="en-US"/>
+          </a:p>
+        </p:txBody>
+      </p:sp>
     </p:spTree>
     <p:extLst>
       <p:ext uri="{BB962C8B-B14F-4D97-AF65-F5344CB8AC3E}">
@@ -5165,6 +5215,56 @@
           </a:prstGeom>
         </p:spPr>
       </p:pic>
+      <p:sp>
+        <p:nvSpPr>
+          <p:cNvPr id="7" name="타원 6"/>
+          <p:cNvSpPr/>
+          <p:nvPr/>
+        </p:nvSpPr>
+        <p:spPr>
+          <a:xfrm>
+            <a:off x="5379335" y="2787774"/>
+            <a:ext cx="1296144" cy="590364"/>
+          </a:xfrm>
+          <a:prstGeom prst="ellipse">
+            <a:avLst/>
+          </a:prstGeom>
+          <a:solidFill>
+            <a:srgbClr val="FF0000">
+              <a:alpha val="0"/>
+            </a:srgbClr>
+          </a:solidFill>
+          <a:ln>
+            <a:solidFill>
+              <a:srgbClr val="FF0000"/>
+            </a:solidFill>
+          </a:ln>
+        </p:spPr>
+        <p:style>
+          <a:lnRef idx="2">
+            <a:schemeClr val="accent1">
+              <a:shade val="50000"/>
+            </a:schemeClr>
+          </a:lnRef>
+          <a:fillRef idx="1">
+            <a:schemeClr val="accent1"/>
+          </a:fillRef>
+          <a:effectRef idx="0">
+            <a:schemeClr val="accent1"/>
+          </a:effectRef>
+          <a:fontRef idx="minor">
+            <a:schemeClr val="lt1"/>
+          </a:fontRef>
+        </p:style>
+        <p:txBody>
+          <a:bodyPr rtlCol="0" anchor="ctr"/>
+          <a:lstStyle/>
+          <a:p>
+            <a:pPr algn="ctr"/>
+            <a:endParaRPr lang="ko-KR" altLang="en-US"/>
+          </a:p>
+        </p:txBody>
+      </p:sp>
     </p:spTree>
     <p:extLst>
       <p:ext uri="{BB962C8B-B14F-4D97-AF65-F5344CB8AC3E}">
@@ -5415,6 +5515,56 @@
           </a:prstGeom>
         </p:spPr>
       </p:pic>
+      <p:sp>
+        <p:nvSpPr>
+          <p:cNvPr id="7" name="타원 6"/>
+          <p:cNvSpPr/>
+          <p:nvPr/>
+        </p:nvSpPr>
+        <p:spPr>
+          <a:xfrm>
+            <a:off x="6886972" y="2787774"/>
+            <a:ext cx="1296144" cy="590364"/>
+          </a:xfrm>
+          <a:prstGeom prst="ellipse">
+            <a:avLst/>
+          </a:prstGeom>
+          <a:solidFill>
+            <a:srgbClr val="FF0000">
+              <a:alpha val="0"/>
+            </a:srgbClr>
+          </a:solidFill>
+          <a:ln>
+            <a:solidFill>
+              <a:srgbClr val="FF0000"/>
+            </a:solidFill>
+          </a:ln>
+        </p:spPr>
+        <p:style>
+          <a:lnRef idx="2">
+            <a:schemeClr val="accent1">
+              <a:shade val="50000"/>
+            </a:schemeClr>
+          </a:lnRef>
+          <a:fillRef idx="1">
+            <a:schemeClr val="accent1"/>
+          </a:fillRef>
+          <a:effectRef idx="0">
+            <a:schemeClr val="accent1"/>
+          </a:effectRef>
+          <a:fontRef idx="minor">
+            <a:schemeClr val="lt1"/>
+          </a:fontRef>
+        </p:style>
+        <p:txBody>
+          <a:bodyPr rtlCol="0" anchor="ctr"/>
+          <a:lstStyle/>
+          <a:p>
+            <a:pPr algn="ctr"/>
+            <a:endParaRPr lang="ko-KR" altLang="en-US"/>
+          </a:p>
+        </p:txBody>
+      </p:sp>
     </p:spTree>
     <p:extLst>
       <p:ext uri="{BB962C8B-B14F-4D97-AF65-F5344CB8AC3E}">
